--- a/images/kmeans_powerbi.pptx
+++ b/images/kmeans_powerbi.pptx
@@ -105,6 +105,11 @@
       </a:defRPr>
     </a:lvl9pPr>
   </p:defaultTextStyle>
+  <p:extLst>
+    <p:ext uri="{EFAFB233-063F-42B5-8137-9DF3F51BA10A}">
+      <p15:sldGuideLst xmlns:p15="http://schemas.microsoft.com/office/powerpoint/2012/main"/>
+    </p:ext>
+  </p:extLst>
 </p:presentation>
 </file>
 
@@ -255,7 +260,7 @@
           <a:p>
             <a:fld id="{4BEFE5F5-9139-4545-9EF6-11D17504FA49}" type="datetimeFigureOut">
               <a:rPr lang="el-GR" smtClean="0"/>
-              <a:t>8/2/2020</a:t>
+              <a:t>23/2/2020</a:t>
             </a:fld>
             <a:endParaRPr lang="el-GR"/>
           </a:p>
@@ -453,7 +458,7 @@
           <a:p>
             <a:fld id="{4BEFE5F5-9139-4545-9EF6-11D17504FA49}" type="datetimeFigureOut">
               <a:rPr lang="el-GR" smtClean="0"/>
-              <a:t>8/2/2020</a:t>
+              <a:t>23/2/2020</a:t>
             </a:fld>
             <a:endParaRPr lang="el-GR"/>
           </a:p>
@@ -661,7 +666,7 @@
           <a:p>
             <a:fld id="{4BEFE5F5-9139-4545-9EF6-11D17504FA49}" type="datetimeFigureOut">
               <a:rPr lang="el-GR" smtClean="0"/>
-              <a:t>8/2/2020</a:t>
+              <a:t>23/2/2020</a:t>
             </a:fld>
             <a:endParaRPr lang="el-GR"/>
           </a:p>
@@ -859,7 +864,7 @@
           <a:p>
             <a:fld id="{4BEFE5F5-9139-4545-9EF6-11D17504FA49}" type="datetimeFigureOut">
               <a:rPr lang="el-GR" smtClean="0"/>
-              <a:t>8/2/2020</a:t>
+              <a:t>23/2/2020</a:t>
             </a:fld>
             <a:endParaRPr lang="el-GR"/>
           </a:p>
@@ -1134,7 +1139,7 @@
           <a:p>
             <a:fld id="{4BEFE5F5-9139-4545-9EF6-11D17504FA49}" type="datetimeFigureOut">
               <a:rPr lang="el-GR" smtClean="0"/>
-              <a:t>8/2/2020</a:t>
+              <a:t>23/2/2020</a:t>
             </a:fld>
             <a:endParaRPr lang="el-GR"/>
           </a:p>
@@ -1399,7 +1404,7 @@
           <a:p>
             <a:fld id="{4BEFE5F5-9139-4545-9EF6-11D17504FA49}" type="datetimeFigureOut">
               <a:rPr lang="el-GR" smtClean="0"/>
-              <a:t>8/2/2020</a:t>
+              <a:t>23/2/2020</a:t>
             </a:fld>
             <a:endParaRPr lang="el-GR"/>
           </a:p>
@@ -1811,7 +1816,7 @@
           <a:p>
             <a:fld id="{4BEFE5F5-9139-4545-9EF6-11D17504FA49}" type="datetimeFigureOut">
               <a:rPr lang="el-GR" smtClean="0"/>
-              <a:t>8/2/2020</a:t>
+              <a:t>23/2/2020</a:t>
             </a:fld>
             <a:endParaRPr lang="el-GR"/>
           </a:p>
@@ -1952,7 +1957,7 @@
           <a:p>
             <a:fld id="{4BEFE5F5-9139-4545-9EF6-11D17504FA49}" type="datetimeFigureOut">
               <a:rPr lang="el-GR" smtClean="0"/>
-              <a:t>8/2/2020</a:t>
+              <a:t>23/2/2020</a:t>
             </a:fld>
             <a:endParaRPr lang="el-GR"/>
           </a:p>
@@ -2065,7 +2070,7 @@
           <a:p>
             <a:fld id="{4BEFE5F5-9139-4545-9EF6-11D17504FA49}" type="datetimeFigureOut">
               <a:rPr lang="el-GR" smtClean="0"/>
-              <a:t>8/2/2020</a:t>
+              <a:t>23/2/2020</a:t>
             </a:fld>
             <a:endParaRPr lang="el-GR"/>
           </a:p>
@@ -2376,7 +2381,7 @@
           <a:p>
             <a:fld id="{4BEFE5F5-9139-4545-9EF6-11D17504FA49}" type="datetimeFigureOut">
               <a:rPr lang="el-GR" smtClean="0"/>
-              <a:t>8/2/2020</a:t>
+              <a:t>23/2/2020</a:t>
             </a:fld>
             <a:endParaRPr lang="el-GR"/>
           </a:p>
@@ -2664,7 +2669,7 @@
           <a:p>
             <a:fld id="{4BEFE5F5-9139-4545-9EF6-11D17504FA49}" type="datetimeFigureOut">
               <a:rPr lang="el-GR" smtClean="0"/>
-              <a:t>8/2/2020</a:t>
+              <a:t>23/2/2020</a:t>
             </a:fld>
             <a:endParaRPr lang="el-GR"/>
           </a:p>
@@ -2905,7 +2910,7 @@
           <a:p>
             <a:fld id="{4BEFE5F5-9139-4545-9EF6-11D17504FA49}" type="datetimeFigureOut">
               <a:rPr lang="el-GR" smtClean="0"/>
-              <a:t>8/2/2020</a:t>
+              <a:t>23/2/2020</a:t>
             </a:fld>
             <a:endParaRPr lang="el-GR"/>
           </a:p>
@@ -3324,10 +3329,10 @@
       </p:grpSpPr>
       <p:pic>
         <p:nvPicPr>
-          <p:cNvPr id="4" name="Εικόνα 3">
-            <a:extLst>
-              <a:ext uri="{FF2B5EF4-FFF2-40B4-BE49-F238E27FC236}">
-                <a16:creationId xmlns:a16="http://schemas.microsoft.com/office/drawing/2014/main" id="{081D9F09-4E89-4F8F-BD0F-6AD753FCB436}"/>
+          <p:cNvPr id="3" name="Εικόνα 2">
+            <a:extLst>
+              <a:ext uri="{FF2B5EF4-FFF2-40B4-BE49-F238E27FC236}">
+                <a16:creationId xmlns:a16="http://schemas.microsoft.com/office/drawing/2014/main" id="{FB337BE2-CC53-4F44-9DD0-22A2AD75834E}"/>
               </a:ext>
             </a:extLst>
           </p:cNvPr>
@@ -3338,13 +3343,13 @@
         </p:nvPicPr>
         <p:blipFill rotWithShape="1">
           <a:blip r:embed="rId2"/>
-          <a:srcRect l="2890" t="23333" r="25625" b="11666"/>
+          <a:srcRect l="2969" t="23611" r="25781" b="11806"/>
           <a:stretch/>
         </p:blipFill>
         <p:spPr>
           <a:xfrm>
-            <a:off x="3508" y="309562"/>
-            <a:ext cx="12188491" cy="6234113"/>
+            <a:off x="0" y="321469"/>
+            <a:ext cx="12189541" cy="6215062"/>
           </a:xfrm>
           <a:prstGeom prst="rect">
             <a:avLst/>
@@ -3383,10 +3388,10 @@
       </p:grpSpPr>
       <p:pic>
         <p:nvPicPr>
-          <p:cNvPr id="4" name="Εικόνα 3">
-            <a:extLst>
-              <a:ext uri="{FF2B5EF4-FFF2-40B4-BE49-F238E27FC236}">
-                <a16:creationId xmlns:a16="http://schemas.microsoft.com/office/drawing/2014/main" id="{16663FED-146D-4E12-A7AF-C0C5ED8D032F}"/>
+          <p:cNvPr id="2" name="Εικόνα 1">
+            <a:extLst>
+              <a:ext uri="{FF2B5EF4-FFF2-40B4-BE49-F238E27FC236}">
+                <a16:creationId xmlns:a16="http://schemas.microsoft.com/office/drawing/2014/main" id="{4EA69FAC-F609-4923-9D02-7BBA4093C46D}"/>
               </a:ext>
             </a:extLst>
           </p:cNvPr>
@@ -3397,13 +3402,13 @@
         </p:nvPicPr>
         <p:blipFill rotWithShape="1">
           <a:blip r:embed="rId2"/>
-          <a:srcRect l="2813" t="23333" r="25547" b="11667"/>
+          <a:srcRect l="3202" t="22639" r="25938" b="11944"/>
           <a:stretch/>
         </p:blipFill>
         <p:spPr>
           <a:xfrm>
-            <a:off x="0" y="317846"/>
-            <a:ext cx="12192001" cy="6222308"/>
+            <a:off x="0" y="263381"/>
+            <a:ext cx="12192000" cy="6331237"/>
           </a:xfrm>
           <a:prstGeom prst="rect">
             <a:avLst/>
